--- a/Powerpoint-Slides/Notes.pptx
+++ b/Powerpoint-Slides/Notes.pptx
@@ -10,10 +10,10 @@
   <p:sldIdLst>
     <p:sldId id="332" r:id="rId2"/>
     <p:sldId id="336" r:id="rId3"/>
-    <p:sldId id="333" r:id="rId4"/>
-    <p:sldId id="334" r:id="rId5"/>
-    <p:sldId id="335" r:id="rId6"/>
-    <p:sldId id="330" r:id="rId7"/>
+    <p:sldId id="330" r:id="rId4"/>
+    <p:sldId id="333" r:id="rId5"/>
+    <p:sldId id="334" r:id="rId6"/>
+    <p:sldId id="335" r:id="rId7"/>
   </p:sldIdLst>
   <p:sldSz cx="12192000" cy="6858000"/>
   <p:notesSz cx="6858000" cy="9144000"/>
@@ -112,6 +112,11 @@
       </a:defRPr>
     </a:lvl9pPr>
   </p:defaultTextStyle>
+  <p:extLst>
+    <p:ext uri="{EFAFB233-063F-42B5-8137-9DF3F51BA10A}">
+      <p15:sldGuideLst xmlns:p15="http://schemas.microsoft.com/office/powerpoint/2012/main"/>
+    </p:ext>
+  </p:extLst>
 </p:presentation>
 </file>
 
@@ -3850,31 +3855,6 @@
       </p:grpSpPr>
       <p:sp>
         <p:nvSpPr>
-          <p:cNvPr id="2" name="Title 1">
-            <a:extLst>
-              <a:ext uri="{FF2B5EF4-FFF2-40B4-BE49-F238E27FC236}">
-                <a16:creationId xmlns:a16="http://schemas.microsoft.com/office/drawing/2014/main" id="{576B6D09-F1D0-BE08-93DE-3D928E222894}"/>
-              </a:ext>
-            </a:extLst>
-          </p:cNvPr>
-          <p:cNvSpPr>
-            <a:spLocks noGrp="1"/>
-          </p:cNvSpPr>
-          <p:nvPr>
-            <p:ph type="title"/>
-          </p:nvPr>
-        </p:nvSpPr>
-        <p:spPr/>
-        <p:txBody>
-          <a:bodyPr/>
-          <a:lstStyle/>
-          <a:p>
-            <a:endParaRPr lang="en-US"/>
-          </a:p>
-        </p:txBody>
-      </p:sp>
-      <p:sp>
-        <p:nvSpPr>
           <p:cNvPr id="3" name="Content Placeholder 2">
             <a:extLst>
               <a:ext uri="{FF2B5EF4-FFF2-40B4-BE49-F238E27FC236}">
@@ -3889,14 +3869,33 @@
             <p:ph idx="1"/>
           </p:nvPr>
         </p:nvSpPr>
-        <p:spPr/>
+        <p:spPr>
+          <a:xfrm>
+            <a:off x="838200" y="490811"/>
+            <a:ext cx="10515600" cy="5647230"/>
+          </a:xfrm>
+        </p:spPr>
         <p:txBody>
           <a:bodyPr/>
           <a:lstStyle/>
           <a:p>
             <a:r>
               <a:rPr lang="en-US" dirty="0"/>
-              <a:t>All of the metrics on the next slide are implemented, but the parameters for </a:t>
+              <a:t>Singling Out Risk, </a:t>
+            </a:r>
+            <a:r>
+              <a:rPr lang="en-US" dirty="0" err="1"/>
+              <a:t>Linkability</a:t>
+            </a:r>
+            <a:r>
+              <a:rPr lang="en-US" dirty="0"/>
+              <a:t> Risk, Inference Risk, NNDR, DCR and Nearest Neighbor Adversarial Accuracy are implemented </a:t>
+            </a:r>
+          </a:p>
+          <a:p>
+            <a:r>
+              <a:rPr lang="en-US" dirty="0"/>
+              <a:t>but the parameters for </a:t>
             </a:r>
             <a:r>
               <a:rPr lang="en-US" dirty="0" err="1"/>
@@ -3920,7 +3919,7 @@
             </a:r>
             <a:r>
               <a:rPr lang="en-US" dirty="0"/>
-              <a:t> need to be adjusted (so that all parameters can be adjusted)</a:t>
+              <a:t> need to be expanded (so that all parameters can be adjusted)</a:t>
             </a:r>
           </a:p>
           <a:p>
@@ -4012,7 +4011,7 @@
           <p:cNvPr id="2" name="Title 1">
             <a:extLst>
               <a:ext uri="{FF2B5EF4-FFF2-40B4-BE49-F238E27FC236}">
-                <a16:creationId xmlns:a16="http://schemas.microsoft.com/office/drawing/2014/main" id="{A3850EED-25E1-DA24-182C-A085A6805BA5}"/>
+                <a16:creationId xmlns:a16="http://schemas.microsoft.com/office/drawing/2014/main" id="{0C65E140-177A-1557-984B-19438F6D16D0}"/>
               </a:ext>
             </a:extLst>
           </p:cNvPr>
@@ -4030,268 +4029,112 @@
           <a:p>
             <a:r>
               <a:rPr lang="en-US" dirty="0"/>
-              <a:t>Diabetes dataset with Gaussian Mixture Synthetic dataset (transformed, normalized)</a:t>
-            </a:r>
-          </a:p>
-        </p:txBody>
-      </p:sp>
-      <p:sp>
-        <p:nvSpPr>
-          <p:cNvPr id="3" name="Content Placeholder 2">
-            <a:extLst>
-              <a:ext uri="{FF2B5EF4-FFF2-40B4-BE49-F238E27FC236}">
-                <a16:creationId xmlns:a16="http://schemas.microsoft.com/office/drawing/2014/main" id="{7312759E-7B70-3E3D-E0E3-B7E722CEB735}"/>
-              </a:ext>
-            </a:extLst>
-          </p:cNvPr>
-          <p:cNvSpPr>
-            <a:spLocks noGrp="1"/>
-          </p:cNvSpPr>
-          <p:nvPr>
-            <p:ph idx="1"/>
-          </p:nvPr>
-        </p:nvSpPr>
-        <p:spPr>
-          <a:xfrm>
-            <a:off x="555287" y="1847850"/>
-            <a:ext cx="11353800" cy="4351338"/>
-          </a:xfrm>
-        </p:spPr>
-        <p:txBody>
-          <a:bodyPr>
-            <a:normAutofit fontScale="85000" lnSpcReduction="20000"/>
-          </a:bodyPr>
-          <a:lstStyle/>
-          <a:p>
+              <a:t>Working on: Add </a:t>
+            </a:r>
+            <a:r>
+              <a:rPr lang="en-US" dirty="0" err="1"/>
+              <a:t>DiSCO</a:t>
+            </a:r>
             <a:r>
               <a:rPr lang="en-US" dirty="0"/>
-              <a:t>Wasserstein-Distance: 0.2256971141888097</a:t>
-            </a:r>
-          </a:p>
-          <a:p>
+              <a:t> (</a:t>
+            </a:r>
             <a:r>
               <a:rPr lang="en-US" dirty="0" err="1"/>
-              <a:t>AdversarialAccuracyCalculator</a:t>
+              <a:t>aswell</a:t>
             </a:r>
             <a:r>
               <a:rPr lang="en-US" dirty="0"/>
-              <a:t>: 0.525390625</a:t>
-            </a:r>
-          </a:p>
-          <a:p>
+              <a:t> as </a:t>
+            </a:r>
             <a:r>
               <a:rPr lang="en-US" dirty="0" err="1"/>
-              <a:t>NNDRCalculator</a:t>
-            </a:r>
-            <a:r>
-              <a:rPr lang="en-US" dirty="0"/>
-              <a:t>: 0.8759843520732002</a:t>
-            </a:r>
-          </a:p>
-          <a:p>
-            <a:r>
-              <a:rPr lang="en-US" dirty="0" err="1"/>
-              <a:t>DCRCalculator</a:t>
-            </a:r>
-            <a:r>
-              <a:rPr lang="en-US" dirty="0"/>
-              <a:t>: 0.41247199150260777</a:t>
-            </a:r>
-          </a:p>
-          <a:p>
-            <a:pPr marL="0" indent="0">
-              <a:buNone/>
-            </a:pPr>
-            <a:r>
-              <a:rPr lang="en-US" dirty="0"/>
-              <a:t>For the </a:t>
-            </a:r>
-            <a:r>
-              <a:rPr lang="en-US" dirty="0" err="1"/>
-              <a:t>Anonymeter</a:t>
-            </a:r>
-            <a:r>
-              <a:rPr lang="en-US" dirty="0"/>
-              <a:t> functions, I have simply taken some columns for the </a:t>
-            </a:r>
-            <a:r>
-              <a:rPr lang="en-US" dirty="0" err="1"/>
-              <a:t>aux_cols</a:t>
-            </a:r>
-            <a:r>
-              <a:rPr lang="en-US" dirty="0"/>
-              <a:t> </a:t>
-            </a:r>
-            <a:r>
-              <a:rPr lang="en-US" dirty="0">
-                <a:solidFill>
-                  <a:srgbClr val="BCBEC4"/>
-                </a:solidFill>
-                <a:effectLst/>
-              </a:rPr>
-              <a:t>) ([</a:t>
-            </a:r>
-            <a:r>
-              <a:rPr lang="en-US" dirty="0">
-                <a:solidFill>
-                  <a:srgbClr val="6AAB73"/>
-                </a:solidFill>
-                <a:effectLst/>
-              </a:rPr>
-              <a:t>"Glucose"</a:t>
-            </a:r>
-            <a:r>
-              <a:rPr lang="en-US" dirty="0">
-                <a:solidFill>
-                  <a:srgbClr val="BCBEC4"/>
-                </a:solidFill>
-                <a:effectLst/>
-              </a:rPr>
-              <a:t>,</a:t>
-            </a:r>
-            <a:r>
-              <a:rPr lang="en-US" dirty="0">
-                <a:solidFill>
-                  <a:srgbClr val="6AAB73"/>
-                </a:solidFill>
-                <a:effectLst/>
-              </a:rPr>
-              <a:t>"</a:t>
-            </a:r>
-            <a:r>
-              <a:rPr lang="en-US" dirty="0" err="1">
-                <a:solidFill>
-                  <a:srgbClr val="6AAB73"/>
-                </a:solidFill>
-                <a:effectLst/>
-              </a:rPr>
-              <a:t>BloodPressure</a:t>
-            </a:r>
-            <a:r>
-              <a:rPr lang="en-US" dirty="0">
-                <a:solidFill>
-                  <a:srgbClr val="6AAB73"/>
-                </a:solidFill>
-                <a:effectLst/>
-              </a:rPr>
-              <a:t>"</a:t>
-            </a:r>
-            <a:r>
-              <a:rPr lang="en-US" dirty="0">
-                <a:solidFill>
-                  <a:srgbClr val="BCBEC4"/>
-                </a:solidFill>
-                <a:effectLst/>
-              </a:rPr>
-              <a:t>,</a:t>
-            </a:r>
-            <a:r>
-              <a:rPr lang="en-US" dirty="0">
-                <a:solidFill>
-                  <a:srgbClr val="6AAB73"/>
-                </a:solidFill>
-                <a:effectLst/>
-              </a:rPr>
-              <a:t>"</a:t>
-            </a:r>
-            <a:r>
-              <a:rPr lang="en-US" dirty="0" err="1">
-                <a:solidFill>
-                  <a:srgbClr val="6AAB73"/>
-                </a:solidFill>
-                <a:effectLst/>
-              </a:rPr>
-              <a:t>SkinThickness</a:t>
-            </a:r>
-            <a:r>
-              <a:rPr lang="en-US" dirty="0">
-                <a:solidFill>
-                  <a:srgbClr val="6AAB73"/>
-                </a:solidFill>
-                <a:effectLst/>
-              </a:rPr>
-              <a:t>"</a:t>
-            </a:r>
-            <a:r>
-              <a:rPr lang="en-US" dirty="0">
-                <a:solidFill>
-                  <a:srgbClr val="BCBEC4"/>
-                </a:solidFill>
-                <a:effectLst/>
-              </a:rPr>
-              <a:t>]) </a:t>
-            </a:r>
-            <a:r>
-              <a:rPr lang="en-US" dirty="0"/>
-              <a:t>and a random secret column (</a:t>
-            </a:r>
-            <a:r>
-              <a:rPr lang="en-US" dirty="0">
-                <a:solidFill>
-                  <a:srgbClr val="6AAB73"/>
-                </a:solidFill>
-                <a:effectLst/>
-              </a:rPr>
-              <a:t>Outcome</a:t>
+              <a:t>repU</a:t>
             </a:r>
             <a:r>
               <a:rPr lang="en-US" dirty="0"/>
               <a:t>)</a:t>
             </a:r>
           </a:p>
-          <a:p>
+        </p:txBody>
+      </p:sp>
+      <p:sp>
+        <p:nvSpPr>
+          <p:cNvPr id="3" name="Content Placeholder 2">
+            <a:extLst>
+              <a:ext uri="{FF2B5EF4-FFF2-40B4-BE49-F238E27FC236}">
+                <a16:creationId xmlns:a16="http://schemas.microsoft.com/office/drawing/2014/main" id="{C880EB0C-42C2-03C4-301C-3C6B08B208D6}"/>
+              </a:ext>
+            </a:extLst>
+          </p:cNvPr>
+          <p:cNvSpPr>
+            <a:spLocks noGrp="1"/>
+          </p:cNvSpPr>
+          <p:nvPr>
+            <p:ph idx="1"/>
+          </p:nvPr>
+        </p:nvSpPr>
+        <p:spPr/>
+        <p:txBody>
+          <a:bodyPr/>
+          <a:lstStyle/>
+          <a:p>
+            <a:r>
+              <a:rPr lang="en-US" dirty="0"/>
+              <a:t>Use a R-Python bridge package (</a:t>
+            </a:r>
+            <a:r>
+              <a:rPr lang="en-US" dirty="0">
+                <a:hlinkClick r:id="rId2"/>
+              </a:rPr>
+              <a:t>https://rpy2.github.io/</a:t>
+            </a:r>
+            <a:r>
+              <a:rPr lang="en-US" dirty="0"/>
+              <a:t>)</a:t>
+            </a:r>
+          </a:p>
+          <a:p>
+            <a:r>
+              <a:rPr lang="en-US" dirty="0"/>
+              <a:t>Or rewrite code, but I am still working on that based on this: </a:t>
+            </a:r>
+            <a:r>
+              <a:rPr lang="en-US" dirty="0">
+                <a:hlinkClick r:id="rId3"/>
+              </a:rPr>
+              <a:t>https://github.com/gillian-raab/synthpop/blob/main/R/disclosure.R</a:t>
+            </a:r>
+            <a:endParaRPr lang="en-US" dirty="0"/>
+          </a:p>
+          <a:p>
+            <a:r>
+              <a:rPr lang="en-US" dirty="0"/>
+              <a:t>I ran the R Code in R Studio and calculated the different disclosure metrics based on some dataset examples, I will try to use the same datasets for my rewritten version</a:t>
+            </a:r>
+          </a:p>
+          <a:p>
+            <a:endParaRPr lang="en-US" dirty="0"/>
+          </a:p>
+          <a:p>
+            <a:pPr marL="0" indent="0">
+              <a:buNone/>
+            </a:pPr>
+            <a:r>
+              <a:rPr lang="en-US" dirty="0"/>
+              <a:t>https://</a:t>
+            </a:r>
             <a:r>
               <a:rPr lang="en-US" dirty="0" err="1"/>
-              <a:t>LinkabilityCalculator</a:t>
+              <a:t>arxiv.org</a:t>
             </a:r>
             <a:r>
               <a:rPr lang="en-US" dirty="0"/>
-              <a:t>: </a:t>
-            </a:r>
-            <a:r>
-              <a:rPr lang="en-US" dirty="0" err="1"/>
-              <a:t>PrivacyRisk</a:t>
-            </a:r>
-            <a:r>
-              <a:rPr lang="en-US" dirty="0"/>
-              <a:t>(value=0.0038121702307761206, ci=(4.336808689942018e-19, 0.007624340461552241))</a:t>
-            </a:r>
-          </a:p>
-          <a:p>
-            <a:r>
-              <a:rPr lang="en-US" dirty="0" err="1"/>
-              <a:t>InferenceCalculator</a:t>
-            </a:r>
-            <a:r>
-              <a:rPr lang="en-US" dirty="0"/>
-              <a:t>: </a:t>
-            </a:r>
-            <a:r>
-              <a:rPr lang="en-US" dirty="0" err="1"/>
-              <a:t>PrivacyRisk</a:t>
-            </a:r>
-            <a:r>
-              <a:rPr lang="en-US" dirty="0"/>
-              <a:t>(value=0.5, ci=(0.4563412653024843, 0.5436587346975157))</a:t>
-            </a:r>
-          </a:p>
-          <a:p>
-            <a:r>
-              <a:rPr lang="en-US" dirty="0" err="1"/>
-              <a:t>SinglingOutCalculator</a:t>
-            </a:r>
-            <a:r>
-              <a:rPr lang="en-US" dirty="0"/>
-              <a:t>: </a:t>
-            </a:r>
-            <a:r>
-              <a:rPr lang="en-US" dirty="0" err="1"/>
-              <a:t>PrivacyRisk</a:t>
-            </a:r>
-            <a:r>
-              <a:rPr lang="en-US" dirty="0"/>
-              <a:t>(value=0.49603049736184623, ci=(0.45237314911404547, 0.539687845609647))</a:t>
-            </a:r>
+              <a:t>/html/2406.16826v1</a:t>
+            </a:r>
+          </a:p>
+          <a:p>
+            <a:endParaRPr lang="en-US" dirty="0"/>
           </a:p>
         </p:txBody>
       </p:sp>
@@ -4300,7 +4143,7 @@
           <p:cNvPr id="4" name="Slide Number Placeholder 3">
             <a:extLst>
               <a:ext uri="{FF2B5EF4-FFF2-40B4-BE49-F238E27FC236}">
-                <a16:creationId xmlns:a16="http://schemas.microsoft.com/office/drawing/2014/main" id="{1855FF2A-C2B0-5F39-69CB-7C42471B8908}"/>
+                <a16:creationId xmlns:a16="http://schemas.microsoft.com/office/drawing/2014/main" id="{3F740BD2-4889-B55A-4C39-364016DDD515}"/>
               </a:ext>
             </a:extLst>
           </p:cNvPr>
@@ -4327,7 +4170,7 @@
     </p:spTree>
     <p:extLst>
       <p:ext uri="{BB962C8B-B14F-4D97-AF65-F5344CB8AC3E}">
-        <p14:creationId xmlns:p14="http://schemas.microsoft.com/office/powerpoint/2010/main" val="965892694"/>
+        <p14:creationId xmlns:p14="http://schemas.microsoft.com/office/powerpoint/2010/main" val="3257492581"/>
       </p:ext>
     </p:extLst>
   </p:cSld>
@@ -4359,7 +4202,7 @@
           <p:cNvPr id="2" name="Title 1">
             <a:extLst>
               <a:ext uri="{FF2B5EF4-FFF2-40B4-BE49-F238E27FC236}">
-                <a16:creationId xmlns:a16="http://schemas.microsoft.com/office/drawing/2014/main" id="{60CF9776-432B-93FC-10ED-C1E554AEAB33}"/>
+                <a16:creationId xmlns:a16="http://schemas.microsoft.com/office/drawing/2014/main" id="{A3850EED-25E1-DA24-182C-A085A6805BA5}"/>
               </a:ext>
             </a:extLst>
           </p:cNvPr>
@@ -4377,7 +4220,7 @@
           <a:p>
             <a:r>
               <a:rPr lang="en-US" dirty="0"/>
-              <a:t>Diabetes dataset with CTGAN Synthetic dataset (transformed, normalized)</a:t>
+              <a:t>Diabetes dataset with Gaussian Mixture Synthetic dataset (transformed, normalized)</a:t>
             </a:r>
           </a:p>
         </p:txBody>
@@ -4387,7 +4230,7 @@
           <p:cNvPr id="3" name="Content Placeholder 2">
             <a:extLst>
               <a:ext uri="{FF2B5EF4-FFF2-40B4-BE49-F238E27FC236}">
-                <a16:creationId xmlns:a16="http://schemas.microsoft.com/office/drawing/2014/main" id="{2A866AB6-BDE3-EE08-5EDF-44BD04B9B5C8}"/>
+                <a16:creationId xmlns:a16="http://schemas.microsoft.com/office/drawing/2014/main" id="{7312759E-7B70-3E3D-E0E3-B7E722CEB735}"/>
               </a:ext>
             </a:extLst>
           </p:cNvPr>
@@ -4398,7 +4241,12 @@
             <p:ph idx="1"/>
           </p:nvPr>
         </p:nvSpPr>
-        <p:spPr/>
+        <p:spPr>
+          <a:xfrm>
+            <a:off x="838200" y="1847850"/>
+            <a:ext cx="11353800" cy="4351338"/>
+          </a:xfrm>
+        </p:spPr>
         <p:txBody>
           <a:bodyPr>
             <a:normAutofit fontScale="85000" lnSpcReduction="20000"/>
@@ -4407,7 +4255,7 @@
           <a:p>
             <a:r>
               <a:rPr lang="en-US" dirty="0"/>
-              <a:t>Wasserstein-Distance: 0.4202540341379354</a:t>
+              <a:t>Wasserstein-Distance: 0.2256971141888097</a:t>
             </a:r>
           </a:p>
           <a:p>
@@ -4417,7 +4265,7 @@
             </a:r>
             <a:r>
               <a:rPr lang="en-US" dirty="0"/>
-              <a:t>: 0.6790364583333333</a:t>
+              <a:t>: 0.525390625</a:t>
             </a:r>
           </a:p>
           <a:p>
@@ -4427,7 +4275,7 @@
             </a:r>
             <a:r>
               <a:rPr lang="en-US" dirty="0"/>
-              <a:t>: 0.8894639375527755</a:t>
+              <a:t>: 0.8759843520732002</a:t>
             </a:r>
           </a:p>
           <a:p>
@@ -4437,10 +4285,13 @@
             </a:r>
             <a:r>
               <a:rPr lang="en-US" dirty="0"/>
-              <a:t>: 0.5897055078252942</a:t>
-            </a:r>
-          </a:p>
-          <a:p>
+              <a:t>: 0.41247199150260777</a:t>
+            </a:r>
+          </a:p>
+          <a:p>
+            <a:pPr marL="0" indent="0">
+              <a:buNone/>
+            </a:pPr>
             <a:r>
               <a:rPr lang="en-US" dirty="0"/>
               <a:t>For the </a:t>
@@ -4611,7 +4462,7 @@
             </a:r>
             <a:r>
               <a:rPr lang="en-US" dirty="0"/>
-              <a:t>(value=0.4781677354901541, ci=(0.4345509603938758, 0.5217845105864325))</a:t>
+              <a:t>(value=0.5, ci=(0.4563412653024843, 0.5436587346975157))</a:t>
             </a:r>
           </a:p>
           <a:p>
@@ -4629,7 +4480,7 @@
             </a:r>
             <a:r>
               <a:rPr lang="en-US" dirty="0"/>
-              <a:t>(value=0.5277865184670766, ci=(0.48419577166421596, 0.5713772652699372))</a:t>
+              <a:t>(value=0.49603049736184623, ci=(0.45237314911404547, 0.539687845609647))</a:t>
             </a:r>
           </a:p>
         </p:txBody>
@@ -4639,7 +4490,7 @@
           <p:cNvPr id="4" name="Slide Number Placeholder 3">
             <a:extLst>
               <a:ext uri="{FF2B5EF4-FFF2-40B4-BE49-F238E27FC236}">
-                <a16:creationId xmlns:a16="http://schemas.microsoft.com/office/drawing/2014/main" id="{71239B72-92DB-D695-5284-8EFCEEB44746}"/>
+                <a16:creationId xmlns:a16="http://schemas.microsoft.com/office/drawing/2014/main" id="{1855FF2A-C2B0-5F39-69CB-7C42471B8908}"/>
               </a:ext>
             </a:extLst>
           </p:cNvPr>
@@ -4666,7 +4517,7 @@
     </p:spTree>
     <p:extLst>
       <p:ext uri="{BB962C8B-B14F-4D97-AF65-F5344CB8AC3E}">
-        <p14:creationId xmlns:p14="http://schemas.microsoft.com/office/powerpoint/2010/main" val="214099396"/>
+        <p14:creationId xmlns:p14="http://schemas.microsoft.com/office/powerpoint/2010/main" val="965892694"/>
       </p:ext>
     </p:extLst>
   </p:cSld>
@@ -4698,7 +4549,7 @@
           <p:cNvPr id="2" name="Title 1">
             <a:extLst>
               <a:ext uri="{FF2B5EF4-FFF2-40B4-BE49-F238E27FC236}">
-                <a16:creationId xmlns:a16="http://schemas.microsoft.com/office/drawing/2014/main" id="{9B76741C-0E9E-22A5-CA4A-B499652BDD5C}"/>
+                <a16:creationId xmlns:a16="http://schemas.microsoft.com/office/drawing/2014/main" id="{60CF9776-432B-93FC-10ED-C1E554AEAB33}"/>
               </a:ext>
             </a:extLst>
           </p:cNvPr>
@@ -4714,7 +4565,10 @@
           <a:bodyPr/>
           <a:lstStyle/>
           <a:p>
-            <a:endParaRPr lang="en-US"/>
+            <a:r>
+              <a:rPr lang="en-US" dirty="0"/>
+              <a:t>Diabetes dataset with CTGAN Synthetic dataset (transformed, normalized)</a:t>
+            </a:r>
           </a:p>
         </p:txBody>
       </p:sp>
@@ -4723,7 +4577,7 @@
           <p:cNvPr id="3" name="Content Placeholder 2">
             <a:extLst>
               <a:ext uri="{FF2B5EF4-FFF2-40B4-BE49-F238E27FC236}">
-                <a16:creationId xmlns:a16="http://schemas.microsoft.com/office/drawing/2014/main" id="{9FF441DB-BE7E-F722-E119-ADD747F9A5D2}"/>
+                <a16:creationId xmlns:a16="http://schemas.microsoft.com/office/drawing/2014/main" id="{2A866AB6-BDE3-EE08-5EDF-44BD04B9B5C8}"/>
               </a:ext>
             </a:extLst>
           </p:cNvPr>
@@ -4736,59 +4590,237 @@
         </p:nvSpPr>
         <p:spPr/>
         <p:txBody>
-          <a:bodyPr/>
+          <a:bodyPr>
+            <a:normAutofit fontScale="85000" lnSpcReduction="20000"/>
+          </a:bodyPr>
           <a:lstStyle/>
           <a:p>
             <a:r>
               <a:rPr lang="en-US" dirty="0"/>
-              <a:t>Notes to Nearest Neighbor Adversarial Accuracy: “</a:t>
+              <a:t>Wasserstein-Distance: 0.4202540341379354</a:t>
+            </a:r>
+          </a:p>
+          <a:p>
+            <a:r>
+              <a:rPr lang="en-US" dirty="0" err="1"/>
+              <a:t>AdversarialAccuracyCalculator</a:t>
+            </a:r>
+            <a:r>
+              <a:rPr lang="en-US" dirty="0"/>
+              <a:t>: 0.6790364583333333</a:t>
+            </a:r>
+          </a:p>
+          <a:p>
+            <a:r>
+              <a:rPr lang="en-US" dirty="0" err="1"/>
+              <a:t>NNDRCalculator</a:t>
+            </a:r>
+            <a:r>
+              <a:rPr lang="en-US" dirty="0"/>
+              <a:t>: 0.8894639375527755</a:t>
+            </a:r>
+          </a:p>
+          <a:p>
+            <a:r>
+              <a:rPr lang="en-US" dirty="0" err="1"/>
+              <a:t>DCRCalculator</a:t>
+            </a:r>
+            <a:r>
+              <a:rPr lang="en-US" dirty="0"/>
+              <a:t>: 0.5897055078252942</a:t>
+            </a:r>
+          </a:p>
+          <a:p>
+            <a:r>
+              <a:rPr lang="en-US" dirty="0"/>
+              <a:t>For the </a:t>
+            </a:r>
+            <a:r>
+              <a:rPr lang="en-US" dirty="0" err="1"/>
+              <a:t>Anonymeter</a:t>
+            </a:r>
+            <a:r>
+              <a:rPr lang="en-US" dirty="0"/>
+              <a:t> functions, I have simply taken some columns for the </a:t>
+            </a:r>
+            <a:r>
+              <a:rPr lang="en-US" dirty="0" err="1"/>
+              <a:t>aux_cols</a:t>
+            </a:r>
+            <a:r>
+              <a:rPr lang="en-US" dirty="0"/>
+              <a:t> </a:t>
             </a:r>
             <a:r>
               <a:rPr lang="en-US" dirty="0">
                 <a:solidFill>
-                  <a:srgbClr val="000000"/>
+                  <a:srgbClr val="BCBEC4"/>
                 </a:solidFill>
                 <a:effectLst/>
-                <a:latin typeface="Helvetica" pitchFamily="2" charset="0"/>
               </a:rPr>
-              <a:t>If datasets T and S are indistinguishable, then NNAA should be 0.5.”</a:t>
-            </a:r>
-          </a:p>
-          <a:p>
-            <a:pPr>
-              <a:buFont typeface="Wingdings" pitchFamily="2" charset="2"/>
-              <a:buChar char="è"/>
-            </a:pPr>
+              <a:t>) ([</a:t>
+            </a:r>
             <a:r>
               <a:rPr lang="en-US" dirty="0">
                 <a:solidFill>
-                  <a:srgbClr val="000000"/>
+                  <a:srgbClr val="6AAB73"/>
                 </a:solidFill>
-                <a:latin typeface="Helvetica" pitchFamily="2" charset="0"/>
+                <a:effectLst/>
               </a:rPr>
-              <a:t>Values around 0.5 worse than values that are bigger?</a:t>
-            </a:r>
-          </a:p>
-          <a:p>
+              <a:t>"Glucose"</a:t>
+            </a:r>
             <a:r>
               <a:rPr lang="en-US" dirty="0">
                 <a:solidFill>
-                  <a:srgbClr val="000000"/>
+                  <a:srgbClr val="BCBEC4"/>
                 </a:solidFill>
-                <a:latin typeface="Helvetica" pitchFamily="2" charset="0"/>
+                <a:effectLst/>
               </a:rPr>
-              <a:t>Wasserstein-Distance calculation takes a long time in some cases (or doesn’t even finish in case of an original and synthetic dataset each containing ~5000 rows, but the diabetes dataset which only contains ~800 rows ran through without any problems -&gt; when to stop/ give up?)</a:t>
-            </a:r>
-            <a:endParaRPr lang="en-US" dirty="0">
-              <a:solidFill>
-                <a:srgbClr val="000000"/>
-              </a:solidFill>
-              <a:effectLst/>
-              <a:latin typeface="Helvetica" pitchFamily="2" charset="0"/>
-            </a:endParaRPr>
-          </a:p>
-          <a:p>
-            <a:endParaRPr lang="en-US" dirty="0"/>
+              <a:t>,</a:t>
+            </a:r>
+            <a:r>
+              <a:rPr lang="en-US" dirty="0">
+                <a:solidFill>
+                  <a:srgbClr val="6AAB73"/>
+                </a:solidFill>
+                <a:effectLst/>
+              </a:rPr>
+              <a:t>"</a:t>
+            </a:r>
+            <a:r>
+              <a:rPr lang="en-US" dirty="0" err="1">
+                <a:solidFill>
+                  <a:srgbClr val="6AAB73"/>
+                </a:solidFill>
+                <a:effectLst/>
+              </a:rPr>
+              <a:t>BloodPressure</a:t>
+            </a:r>
+            <a:r>
+              <a:rPr lang="en-US" dirty="0">
+                <a:solidFill>
+                  <a:srgbClr val="6AAB73"/>
+                </a:solidFill>
+                <a:effectLst/>
+              </a:rPr>
+              <a:t>"</a:t>
+            </a:r>
+            <a:r>
+              <a:rPr lang="en-US" dirty="0">
+                <a:solidFill>
+                  <a:srgbClr val="BCBEC4"/>
+                </a:solidFill>
+                <a:effectLst/>
+              </a:rPr>
+              <a:t>,</a:t>
+            </a:r>
+            <a:r>
+              <a:rPr lang="en-US" dirty="0">
+                <a:solidFill>
+                  <a:srgbClr val="6AAB73"/>
+                </a:solidFill>
+                <a:effectLst/>
+              </a:rPr>
+              <a:t>"</a:t>
+            </a:r>
+            <a:r>
+              <a:rPr lang="en-US" dirty="0" err="1">
+                <a:solidFill>
+                  <a:srgbClr val="6AAB73"/>
+                </a:solidFill>
+                <a:effectLst/>
+              </a:rPr>
+              <a:t>SkinThickness</a:t>
+            </a:r>
+            <a:r>
+              <a:rPr lang="en-US" dirty="0">
+                <a:solidFill>
+                  <a:srgbClr val="6AAB73"/>
+                </a:solidFill>
+                <a:effectLst/>
+              </a:rPr>
+              <a:t>"</a:t>
+            </a:r>
+            <a:r>
+              <a:rPr lang="en-US" dirty="0">
+                <a:solidFill>
+                  <a:srgbClr val="BCBEC4"/>
+                </a:solidFill>
+                <a:effectLst/>
+              </a:rPr>
+              <a:t>]) </a:t>
+            </a:r>
+            <a:r>
+              <a:rPr lang="en-US" dirty="0"/>
+              <a:t>and a random secret column (</a:t>
+            </a:r>
+            <a:r>
+              <a:rPr lang="en-US" dirty="0">
+                <a:solidFill>
+                  <a:srgbClr val="6AAB73"/>
+                </a:solidFill>
+                <a:effectLst/>
+              </a:rPr>
+              <a:t>Outcome</a:t>
+            </a:r>
+            <a:r>
+              <a:rPr lang="en-US" dirty="0"/>
+              <a:t>)</a:t>
+            </a:r>
+          </a:p>
+          <a:p>
+            <a:r>
+              <a:rPr lang="en-US" dirty="0" err="1"/>
+              <a:t>LinkabilityCalculator</a:t>
+            </a:r>
+            <a:r>
+              <a:rPr lang="en-US" dirty="0"/>
+              <a:t>: </a:t>
+            </a:r>
+            <a:r>
+              <a:rPr lang="en-US" dirty="0" err="1"/>
+              <a:t>PrivacyRisk</a:t>
+            </a:r>
+            <a:r>
+              <a:rPr lang="en-US" dirty="0"/>
+              <a:t>(value=0.0038121702307761206, ci=(4.336808689942018e-19, 0.007624340461552241))</a:t>
+            </a:r>
+          </a:p>
+          <a:p>
+            <a:r>
+              <a:rPr lang="en-US" dirty="0" err="1"/>
+              <a:t>InferenceCalculator</a:t>
+            </a:r>
+            <a:r>
+              <a:rPr lang="en-US" dirty="0"/>
+              <a:t>: </a:t>
+            </a:r>
+            <a:r>
+              <a:rPr lang="en-US" dirty="0" err="1"/>
+              <a:t>PrivacyRisk</a:t>
+            </a:r>
+            <a:r>
+              <a:rPr lang="en-US" dirty="0"/>
+              <a:t>(value=0.4781677354901541, ci=(0.4345509603938758, 0.5217845105864325))</a:t>
+            </a:r>
+          </a:p>
+          <a:p>
+            <a:r>
+              <a:rPr lang="en-US" dirty="0" err="1"/>
+              <a:t>SinglingOutCalculator</a:t>
+            </a:r>
+            <a:r>
+              <a:rPr lang="en-US" dirty="0"/>
+              <a:t>: </a:t>
+            </a:r>
+            <a:r>
+              <a:rPr lang="en-US" dirty="0" err="1"/>
+              <a:t>PrivacyRisk</a:t>
+            </a:r>
+            <a:r>
+              <a:rPr lang="en-US" dirty="0"/>
+              <a:t>(value=0.5277865184670766, ci=(0.48419577166421596, 0.5713772652699372))</a:t>
+            </a:r>
           </a:p>
         </p:txBody>
       </p:sp>
@@ -4797,7 +4829,7 @@
           <p:cNvPr id="4" name="Slide Number Placeholder 3">
             <a:extLst>
               <a:ext uri="{FF2B5EF4-FFF2-40B4-BE49-F238E27FC236}">
-                <a16:creationId xmlns:a16="http://schemas.microsoft.com/office/drawing/2014/main" id="{E3331CB3-38CB-1CFC-BE8A-6132F3D4B235}"/>
+                <a16:creationId xmlns:a16="http://schemas.microsoft.com/office/drawing/2014/main" id="{71239B72-92DB-D695-5284-8EFCEEB44746}"/>
               </a:ext>
             </a:extLst>
           </p:cNvPr>
@@ -4824,7 +4856,7 @@
     </p:spTree>
     <p:extLst>
       <p:ext uri="{BB962C8B-B14F-4D97-AF65-F5344CB8AC3E}">
-        <p14:creationId xmlns:p14="http://schemas.microsoft.com/office/powerpoint/2010/main" val="2822865258"/>
+        <p14:creationId xmlns:p14="http://schemas.microsoft.com/office/powerpoint/2010/main" val="214099396"/>
       </p:ext>
     </p:extLst>
   </p:cSld>
@@ -4853,114 +4885,120 @@
       </p:grpSpPr>
       <p:sp>
         <p:nvSpPr>
-          <p:cNvPr id="2" name="Title 1">
-            <a:extLst>
-              <a:ext uri="{FF2B5EF4-FFF2-40B4-BE49-F238E27FC236}">
-                <a16:creationId xmlns:a16="http://schemas.microsoft.com/office/drawing/2014/main" id="{0C65E140-177A-1557-984B-19438F6D16D0}"/>
-              </a:ext>
-            </a:extLst>
-          </p:cNvPr>
-          <p:cNvSpPr>
-            <a:spLocks noGrp="1"/>
-          </p:cNvSpPr>
-          <p:nvPr>
-            <p:ph type="title"/>
-          </p:nvPr>
-        </p:nvSpPr>
-        <p:spPr/>
-        <p:txBody>
-          <a:bodyPr/>
+          <p:cNvPr id="3" name="Content Placeholder 2">
+            <a:extLst>
+              <a:ext uri="{FF2B5EF4-FFF2-40B4-BE49-F238E27FC236}">
+                <a16:creationId xmlns:a16="http://schemas.microsoft.com/office/drawing/2014/main" id="{9FF441DB-BE7E-F722-E119-ADD747F9A5D2}"/>
+              </a:ext>
+            </a:extLst>
+          </p:cNvPr>
+          <p:cNvSpPr>
+            <a:spLocks noGrp="1"/>
+          </p:cNvSpPr>
+          <p:nvPr>
+            <p:ph idx="1"/>
+          </p:nvPr>
+        </p:nvSpPr>
+        <p:spPr>
+          <a:xfrm>
+            <a:off x="838200" y="1253331"/>
+            <a:ext cx="10515600" cy="4351338"/>
+          </a:xfrm>
+        </p:spPr>
+        <p:txBody>
+          <a:bodyPr>
+            <a:normAutofit lnSpcReduction="10000"/>
+          </a:bodyPr>
           <a:lstStyle/>
           <a:p>
             <a:r>
               <a:rPr lang="en-US" dirty="0"/>
-              <a:t>What I still need to add: </a:t>
+              <a:t>As for the </a:t>
             </a:r>
             <a:r>
               <a:rPr lang="en-US" dirty="0" err="1"/>
-              <a:t>DiSCO</a:t>
+              <a:t>Linkability</a:t>
             </a:r>
             <a:r>
               <a:rPr lang="en-US" dirty="0"/>
-              <a:t> (</a:t>
+              <a:t>-Function, the output was the same for both (CTGAN and Gaussian Mixture) so I need to look into that </a:t>
             </a:r>
             <a:r>
               <a:rPr lang="en-US" dirty="0" err="1"/>
               <a:t>aswell</a:t>
             </a:r>
+            <a:endParaRPr lang="en-US" dirty="0"/>
+          </a:p>
+          <a:p>
             <a:r>
               <a:rPr lang="en-US" dirty="0"/>
-              <a:t> as </a:t>
-            </a:r>
-            <a:r>
-              <a:rPr lang="en-US" dirty="0" err="1"/>
-              <a:t>repU</a:t>
-            </a:r>
-            <a:r>
-              <a:rPr lang="en-US" dirty="0"/>
-              <a:t>)</a:t>
-            </a:r>
-          </a:p>
-        </p:txBody>
-      </p:sp>
-      <p:sp>
-        <p:nvSpPr>
-          <p:cNvPr id="3" name="Content Placeholder 2">
-            <a:extLst>
-              <a:ext uri="{FF2B5EF4-FFF2-40B4-BE49-F238E27FC236}">
-                <a16:creationId xmlns:a16="http://schemas.microsoft.com/office/drawing/2014/main" id="{C880EB0C-42C2-03C4-301C-3C6B08B208D6}"/>
-              </a:ext>
-            </a:extLst>
-          </p:cNvPr>
-          <p:cNvSpPr>
-            <a:spLocks noGrp="1"/>
-          </p:cNvSpPr>
-          <p:nvPr>
-            <p:ph idx="1"/>
-          </p:nvPr>
-        </p:nvSpPr>
-        <p:spPr/>
-        <p:txBody>
-          <a:bodyPr/>
-          <a:lstStyle/>
-          <a:p>
-            <a:r>
-              <a:rPr lang="en-US" dirty="0"/>
-              <a:t>Use a R-Python bridge package (</a:t>
+              <a:t>Notes to Nearest Neighbor Adversarial Accuracy: “</a:t>
             </a:r>
             <a:r>
               <a:rPr lang="en-US" dirty="0">
+                <a:solidFill>
+                  <a:srgbClr val="000000"/>
+                </a:solidFill>
+                <a:effectLst/>
+                <a:latin typeface="Helvetica" pitchFamily="2" charset="0"/>
+              </a:rPr>
+              <a:t>If datasets T and S are indistinguishable, then NNAA should be 0.5.” as per the </a:t>
+            </a:r>
+            <a:r>
+              <a:rPr lang="en-US" dirty="0">
+                <a:solidFill>
+                  <a:srgbClr val="000000"/>
+                </a:solidFill>
+                <a:effectLst/>
+                <a:latin typeface="Helvetica" pitchFamily="2" charset="0"/>
                 <a:hlinkClick r:id="rId2"/>
               </a:rPr>
-              <a:t>https://rpy2.github.io/</a:t>
-            </a:r>
-            <a:r>
-              <a:rPr lang="en-US" dirty="0"/>
-              <a:t>)</a:t>
-            </a:r>
-          </a:p>
-          <a:p>
-            <a:r>
-              <a:rPr lang="en-US" dirty="0"/>
-              <a:t>Or rewrite code, but I am still working on that based on this: </a:t>
-            </a:r>
+              <a:t>paper</a:t>
+            </a:r>
+            <a:endParaRPr lang="en-US" dirty="0">
+              <a:solidFill>
+                <a:srgbClr val="000000"/>
+              </a:solidFill>
+              <a:effectLst/>
+              <a:latin typeface="Helvetica" pitchFamily="2" charset="0"/>
+            </a:endParaRPr>
+          </a:p>
+          <a:p>
+            <a:pPr>
+              <a:buFont typeface="Wingdings" pitchFamily="2" charset="2"/>
+              <a:buChar char="è"/>
+            </a:pPr>
             <a:r>
               <a:rPr lang="en-US" dirty="0">
-                <a:hlinkClick r:id="rId3"/>
+                <a:solidFill>
+                  <a:srgbClr val="000000"/>
+                </a:solidFill>
+                <a:latin typeface="Helvetica" pitchFamily="2" charset="0"/>
               </a:rPr>
-              <a:t>https://github.com/gillian-raab/synthpop/blob/main/R/disclosure.R</a:t>
-            </a:r>
+              <a:t>Values around 0.5 worse than values that are bigger/ smaller?</a:t>
+            </a:r>
+          </a:p>
+          <a:p>
+            <a:r>
+              <a:rPr lang="en-US" dirty="0">
+                <a:solidFill>
+                  <a:srgbClr val="000000"/>
+                </a:solidFill>
+                <a:latin typeface="Helvetica" pitchFamily="2" charset="0"/>
+              </a:rPr>
+              <a:t>Wasserstein-Distance calculation takes a long time in some cases (or doesn’t even finish in case of an original and synthetic dataset each containing ~5000 rows, but the diabetes dataset which only contains ~800 rows ran through without any problems -&gt; when to stop/ give up?)</a:t>
+            </a:r>
+            <a:endParaRPr lang="en-US" dirty="0">
+              <a:solidFill>
+                <a:srgbClr val="000000"/>
+              </a:solidFill>
+              <a:effectLst/>
+              <a:latin typeface="Helvetica" pitchFamily="2" charset="0"/>
+            </a:endParaRPr>
+          </a:p>
+          <a:p>
             <a:endParaRPr lang="en-US" dirty="0"/>
           </a:p>
-          <a:p>
-            <a:r>
-              <a:rPr lang="en-US" dirty="0"/>
-              <a:t>I ran the R Code in R Studio and calculated the different disclosure metrics based on some dataset examples, I will try to use the same datasets for my rewritten version</a:t>
-            </a:r>
-          </a:p>
-          <a:p>
-            <a:endParaRPr lang="en-US" dirty="0"/>
-          </a:p>
         </p:txBody>
       </p:sp>
       <p:sp>
@@ -4968,7 +5006,7 @@
           <p:cNvPr id="4" name="Slide Number Placeholder 3">
             <a:extLst>
               <a:ext uri="{FF2B5EF4-FFF2-40B4-BE49-F238E27FC236}">
-                <a16:creationId xmlns:a16="http://schemas.microsoft.com/office/drawing/2014/main" id="{3F740BD2-4889-B55A-4C39-364016DDD515}"/>
+                <a16:creationId xmlns:a16="http://schemas.microsoft.com/office/drawing/2014/main" id="{E3331CB3-38CB-1CFC-BE8A-6132F3D4B235}"/>
               </a:ext>
             </a:extLst>
           </p:cNvPr>
@@ -4995,7 +5033,7 @@
     </p:spTree>
     <p:extLst>
       <p:ext uri="{BB962C8B-B14F-4D97-AF65-F5344CB8AC3E}">
-        <p14:creationId xmlns:p14="http://schemas.microsoft.com/office/powerpoint/2010/main" val="3257492581"/>
+        <p14:creationId xmlns:p14="http://schemas.microsoft.com/office/powerpoint/2010/main" val="2822865258"/>
       </p:ext>
     </p:extLst>
   </p:cSld>

--- a/Powerpoint-Slides/Notes.pptx
+++ b/Powerpoint-Slides/Notes.pptx
@@ -3876,12 +3876,14 @@
           </a:xfrm>
         </p:spPr>
         <p:txBody>
-          <a:bodyPr/>
-          <a:lstStyle/>
-          <a:p>
-            <a:r>
-              <a:rPr lang="en-US" dirty="0"/>
-              <a:t>Singling Out Risk, </a:t>
+          <a:bodyPr>
+            <a:normAutofit/>
+          </a:bodyPr>
+          <a:lstStyle/>
+          <a:p>
+            <a:r>
+              <a:rPr lang="en-US" dirty="0"/>
+              <a:t>Since the midterm presentation, Singling Out Risk, </a:t>
             </a:r>
             <a:r>
               <a:rPr lang="en-US" dirty="0" err="1"/>
@@ -3889,13 +3891,19 @@
             </a:r>
             <a:r>
               <a:rPr lang="en-US" dirty="0"/>
-              <a:t> Risk, Inference Risk, NNDR, DCR and Nearest Neighbor Adversarial Accuracy are implemented </a:t>
-            </a:r>
-          </a:p>
-          <a:p>
-            <a:r>
-              <a:rPr lang="en-US" dirty="0"/>
-              <a:t>but the parameters for </a:t>
+              <a:t> Risk, Inference Risk, NNDR, DCR and Nearest Neighbor Adversarial Accuracy were implemented </a:t>
+            </a:r>
+          </a:p>
+          <a:p>
+            <a:r>
+              <a:rPr lang="en-US" dirty="0"/>
+              <a:t>I have tried different methods of normalizing my datasets, also with the RDT package</a:t>
+            </a:r>
+          </a:p>
+          <a:p>
+            <a:r>
+              <a:rPr lang="en-US" dirty="0"/>
+              <a:t>The parameters for </a:t>
             </a:r>
             <a:r>
               <a:rPr lang="en-US" dirty="0" err="1"/>
@@ -4907,7 +4915,7 @@
         </p:spPr>
         <p:txBody>
           <a:bodyPr>
-            <a:normAutofit lnSpcReduction="10000"/>
+            <a:normAutofit fontScale="92500" lnSpcReduction="20000"/>
           </a:bodyPr>
           <a:lstStyle/>
           <a:p>
@@ -4921,18 +4929,13 @@
             </a:r>
             <a:r>
               <a:rPr lang="en-US" dirty="0"/>
-              <a:t>-Function, the output was the same for both (CTGAN and Gaussian Mixture) so I need to look into that </a:t>
-            </a:r>
-            <a:r>
-              <a:rPr lang="en-US" dirty="0" err="1"/>
-              <a:t>aswell</a:t>
-            </a:r>
-            <a:endParaRPr lang="en-US" dirty="0"/>
-          </a:p>
-          <a:p>
-            <a:r>
-              <a:rPr lang="en-US" dirty="0"/>
-              <a:t>Notes to Nearest Neighbor Adversarial Accuracy: “</a:t>
+              <a:t>-Function, the output was the same for both (CTGAN and Gaussian Mixture),  which should probably not happen, so I need to look into that</a:t>
+            </a:r>
+          </a:p>
+          <a:p>
+            <a:r>
+              <a:rPr lang="en-US" dirty="0"/>
+              <a:t>It will also be important to give the user help on how to interpret the calculated values. For example: based on the </a:t>
             </a:r>
             <a:r>
               <a:rPr lang="en-US" dirty="0">
@@ -4940,9 +4943,9 @@
                   <a:srgbClr val="000000"/>
                 </a:solidFill>
                 <a:effectLst/>
-                <a:latin typeface="Helvetica" pitchFamily="2" charset="0"/>
+                <a:hlinkClick r:id="rId2"/>
               </a:rPr>
-              <a:t>If datasets T and S are indistinguishable, then NNAA should be 0.5.” as per the </a:t>
+              <a:t>paper</a:t>
             </a:r>
             <a:r>
               <a:rPr lang="en-US" dirty="0">
@@ -4950,50 +4953,37 @@
                   <a:srgbClr val="000000"/>
                 </a:solidFill>
                 <a:effectLst/>
-                <a:latin typeface="Helvetica" pitchFamily="2" charset="0"/>
-                <a:hlinkClick r:id="rId2"/>
               </a:rPr>
-              <a:t>paper</a:t>
+              <a:t> about </a:t>
+            </a:r>
+            <a:r>
+              <a:rPr lang="en-US" dirty="0"/>
+              <a:t>Nearest Neighbor Adversarial Accuracy: “</a:t>
+            </a:r>
+            <a:r>
+              <a:rPr lang="en-US" dirty="0">
+                <a:solidFill>
+                  <a:srgbClr val="000000"/>
+                </a:solidFill>
+                <a:effectLst/>
+              </a:rPr>
+              <a:t>If datasets T and S are indistinguishable, then NNAA should be 0.5.” -&gt; inform the user about possible interpretations of the values</a:t>
+            </a:r>
+          </a:p>
+          <a:p>
+            <a:r>
+              <a:rPr lang="en-US" dirty="0">
+                <a:solidFill>
+                  <a:srgbClr val="000000"/>
+                </a:solidFill>
+              </a:rPr>
+              <a:t>Additional problems: Wasserstein-Distance calculation takes a long time in some cases or doesn’t even finish in case of an original and synthetic dataset each containing ~5000 rows. The diabetes dataset (which only contains ~800 rows) I have used for the calculations above ran through without any problems -&gt; when to stop/ give up?)</a:t>
             </a:r>
             <a:endParaRPr lang="en-US" dirty="0">
               <a:solidFill>
                 <a:srgbClr val="000000"/>
               </a:solidFill>
               <a:effectLst/>
-              <a:latin typeface="Helvetica" pitchFamily="2" charset="0"/>
-            </a:endParaRPr>
-          </a:p>
-          <a:p>
-            <a:pPr>
-              <a:buFont typeface="Wingdings" pitchFamily="2" charset="2"/>
-              <a:buChar char="è"/>
-            </a:pPr>
-            <a:r>
-              <a:rPr lang="en-US" dirty="0">
-                <a:solidFill>
-                  <a:srgbClr val="000000"/>
-                </a:solidFill>
-                <a:latin typeface="Helvetica" pitchFamily="2" charset="0"/>
-              </a:rPr>
-              <a:t>Values around 0.5 worse than values that are bigger/ smaller?</a:t>
-            </a:r>
-          </a:p>
-          <a:p>
-            <a:r>
-              <a:rPr lang="en-US" dirty="0">
-                <a:solidFill>
-                  <a:srgbClr val="000000"/>
-                </a:solidFill>
-                <a:latin typeface="Helvetica" pitchFamily="2" charset="0"/>
-              </a:rPr>
-              <a:t>Wasserstein-Distance calculation takes a long time in some cases (or doesn’t even finish in case of an original and synthetic dataset each containing ~5000 rows, but the diabetes dataset which only contains ~800 rows ran through without any problems -&gt; when to stop/ give up?)</a:t>
-            </a:r>
-            <a:endParaRPr lang="en-US" dirty="0">
-              <a:solidFill>
-                <a:srgbClr val="000000"/>
-              </a:solidFill>
-              <a:effectLst/>
-              <a:latin typeface="Helvetica" pitchFamily="2" charset="0"/>
             </a:endParaRPr>
           </a:p>
           <a:p>
